--- a/matlab/figures_and_data_analysis/figure_builder.pptx
+++ b/matlab/figures_and_data_analysis/figure_builder.pptx
@@ -105,13 +105,18 @@
       </a:defRPr>
     </a:lvl9pPr>
   </p:defaultTextStyle>
+  <p:extLst>
+    <p:ext uri="{EFAFB233-063F-42B5-8137-9DF3F51BA10A}">
+      <p15:sldGuideLst xmlns:p15="http://schemas.microsoft.com/office/powerpoint/2012/main"/>
+    </p:ext>
+  </p:extLst>
 </p:presentation>
 </file>
 
 <file path=ppt/revisionInfo.xml><?xml version="1.0" encoding="utf-8"?>
 <p1510:revInfo xmlns:a="http://schemas.openxmlformats.org/drawingml/2006/main" xmlns:r="http://schemas.openxmlformats.org/officeDocument/2006/relationships" xmlns:p1510="http://schemas.microsoft.com/office/powerpoint/2015/10/main">
   <p1510:revLst>
-    <p1510:client id="{6905568C-7790-4E19-9348-61B14787DD46}" v="70" dt="2024-09-14T16:47:16.584"/>
+    <p1510:client id="{6905568C-7790-4E19-9348-61B14787DD46}" v="71" dt="2024-09-15T02:22:38.268"/>
   </p1510:revLst>
 </p1510:revInfo>
 </file>
@@ -121,7 +126,7 @@
   <pc:docChgLst>
     <pc:chgData name="Derek Vasquez" userId="7096ac8e-e04a-4039-a9a5-f75cfeabab8e" providerId="ADAL" clId="{6905568C-7790-4E19-9348-61B14787DD46}"/>
     <pc:docChg chg="undo custSel addSld delSld modSld">
-      <pc:chgData name="Derek Vasquez" userId="7096ac8e-e04a-4039-a9a5-f75cfeabab8e" providerId="ADAL" clId="{6905568C-7790-4E19-9348-61B14787DD46}" dt="2024-09-14T16:47:43.642" v="930" actId="554"/>
+      <pc:chgData name="Derek Vasquez" userId="7096ac8e-e04a-4039-a9a5-f75cfeabab8e" providerId="ADAL" clId="{6905568C-7790-4E19-9348-61B14787DD46}" dt="2024-09-15T02:29:05.094" v="935" actId="2711"/>
       <pc:docMkLst>
         <pc:docMk/>
       </pc:docMkLst>
@@ -141,7 +146,7 @@
         </pc:spChg>
       </pc:sldChg>
       <pc:sldChg chg="addSp delSp modSp add mod">
-        <pc:chgData name="Derek Vasquez" userId="7096ac8e-e04a-4039-a9a5-f75cfeabab8e" providerId="ADAL" clId="{6905568C-7790-4E19-9348-61B14787DD46}" dt="2024-09-13T20:44:53.446" v="210" actId="20577"/>
+        <pc:chgData name="Derek Vasquez" userId="7096ac8e-e04a-4039-a9a5-f75cfeabab8e" providerId="ADAL" clId="{6905568C-7790-4E19-9348-61B14787DD46}" dt="2024-09-15T02:23:58.067" v="934" actId="2711"/>
         <pc:sldMkLst>
           <pc:docMk/>
           <pc:sldMk cId="3313417238" sldId="259"/>
@@ -155,7 +160,7 @@
           </ac:spMkLst>
         </pc:spChg>
         <pc:spChg chg="mod">
-          <ac:chgData name="Derek Vasquez" userId="7096ac8e-e04a-4039-a9a5-f75cfeabab8e" providerId="ADAL" clId="{6905568C-7790-4E19-9348-61B14787DD46}" dt="2024-09-13T20:41:56.358" v="125" actId="1076"/>
+          <ac:chgData name="Derek Vasquez" userId="7096ac8e-e04a-4039-a9a5-f75cfeabab8e" providerId="ADAL" clId="{6905568C-7790-4E19-9348-61B14787DD46}" dt="2024-09-15T02:23:58.067" v="934" actId="2711"/>
           <ac:spMkLst>
             <pc:docMk/>
             <pc:sldMk cId="3313417238" sldId="259"/>
@@ -163,7 +168,7 @@
           </ac:spMkLst>
         </pc:spChg>
         <pc:spChg chg="mod">
-          <ac:chgData name="Derek Vasquez" userId="7096ac8e-e04a-4039-a9a5-f75cfeabab8e" providerId="ADAL" clId="{6905568C-7790-4E19-9348-61B14787DD46}" dt="2024-09-13T20:44:53.446" v="210" actId="20577"/>
+          <ac:chgData name="Derek Vasquez" userId="7096ac8e-e04a-4039-a9a5-f75cfeabab8e" providerId="ADAL" clId="{6905568C-7790-4E19-9348-61B14787DD46}" dt="2024-09-15T02:23:58.067" v="934" actId="2711"/>
           <ac:spMkLst>
             <pc:docMk/>
             <pc:sldMk cId="3313417238" sldId="259"/>
@@ -171,7 +176,7 @@
           </ac:spMkLst>
         </pc:spChg>
         <pc:spChg chg="mod">
-          <ac:chgData name="Derek Vasquez" userId="7096ac8e-e04a-4039-a9a5-f75cfeabab8e" providerId="ADAL" clId="{6905568C-7790-4E19-9348-61B14787DD46}" dt="2024-09-13T20:42:48.182" v="165" actId="1076"/>
+          <ac:chgData name="Derek Vasquez" userId="7096ac8e-e04a-4039-a9a5-f75cfeabab8e" providerId="ADAL" clId="{6905568C-7790-4E19-9348-61B14787DD46}" dt="2024-09-15T02:23:58.067" v="934" actId="2711"/>
           <ac:spMkLst>
             <pc:docMk/>
             <pc:sldMk cId="3313417238" sldId="259"/>
@@ -195,7 +200,7 @@
           </ac:spMkLst>
         </pc:spChg>
         <pc:spChg chg="mod">
-          <ac:chgData name="Derek Vasquez" userId="7096ac8e-e04a-4039-a9a5-f75cfeabab8e" providerId="ADAL" clId="{6905568C-7790-4E19-9348-61B14787DD46}" dt="2024-09-13T20:41:59.292" v="126" actId="14100"/>
+          <ac:chgData name="Derek Vasquez" userId="7096ac8e-e04a-4039-a9a5-f75cfeabab8e" providerId="ADAL" clId="{6905568C-7790-4E19-9348-61B14787DD46}" dt="2024-09-15T02:23:58.067" v="934" actId="2711"/>
           <ac:spMkLst>
             <pc:docMk/>
             <pc:sldMk cId="3313417238" sldId="259"/>
@@ -203,15 +208,15 @@
           </ac:spMkLst>
         </pc:spChg>
         <pc:spChg chg="mod">
-          <ac:chgData name="Derek Vasquez" userId="7096ac8e-e04a-4039-a9a5-f75cfeabab8e" providerId="ADAL" clId="{6905568C-7790-4E19-9348-61B14787DD46}" dt="2024-09-13T20:43:16.055" v="201" actId="20577"/>
+          <ac:chgData name="Derek Vasquez" userId="7096ac8e-e04a-4039-a9a5-f75cfeabab8e" providerId="ADAL" clId="{6905568C-7790-4E19-9348-61B14787DD46}" dt="2024-09-15T02:23:58.067" v="934" actId="2711"/>
           <ac:spMkLst>
             <pc:docMk/>
             <pc:sldMk cId="3313417238" sldId="259"/>
             <ac:spMk id="13" creationId="{CA66699C-C216-597A-7C0A-F47D116FAEF6}"/>
           </ac:spMkLst>
         </pc:spChg>
-        <pc:spChg chg="add mod">
-          <ac:chgData name="Derek Vasquez" userId="7096ac8e-e04a-4039-a9a5-f75cfeabab8e" providerId="ADAL" clId="{6905568C-7790-4E19-9348-61B14787DD46}" dt="2024-09-13T20:42:39.044" v="163" actId="20577"/>
+        <pc:spChg chg="add del mod">
+          <ac:chgData name="Derek Vasquez" userId="7096ac8e-e04a-4039-a9a5-f75cfeabab8e" providerId="ADAL" clId="{6905568C-7790-4E19-9348-61B14787DD46}" dt="2024-09-15T02:23:04.397" v="933" actId="478"/>
           <ac:spMkLst>
             <pc:docMk/>
             <pc:sldMk cId="3313417238" sldId="259"/>
@@ -219,7 +224,7 @@
           </ac:spMkLst>
         </pc:spChg>
         <pc:spChg chg="mod">
-          <ac:chgData name="Derek Vasquez" userId="7096ac8e-e04a-4039-a9a5-f75cfeabab8e" providerId="ADAL" clId="{6905568C-7790-4E19-9348-61B14787DD46}" dt="2024-09-13T20:41:17.678" v="117" actId="1076"/>
+          <ac:chgData name="Derek Vasquez" userId="7096ac8e-e04a-4039-a9a5-f75cfeabab8e" providerId="ADAL" clId="{6905568C-7790-4E19-9348-61B14787DD46}" dt="2024-09-15T02:23:58.067" v="934" actId="2711"/>
           <ac:spMkLst>
             <pc:docMk/>
             <pc:sldMk cId="3313417238" sldId="259"/>
@@ -235,7 +240,7 @@
           </ac:spMkLst>
         </pc:spChg>
         <pc:spChg chg="mod">
-          <ac:chgData name="Derek Vasquez" userId="7096ac8e-e04a-4039-a9a5-f75cfeabab8e" providerId="ADAL" clId="{6905568C-7790-4E19-9348-61B14787DD46}" dt="2024-09-13T20:41:38.837" v="121" actId="1076"/>
+          <ac:chgData name="Derek Vasquez" userId="7096ac8e-e04a-4039-a9a5-f75cfeabab8e" providerId="ADAL" clId="{6905568C-7790-4E19-9348-61B14787DD46}" dt="2024-09-15T02:23:58.067" v="934" actId="2711"/>
           <ac:spMkLst>
             <pc:docMk/>
             <pc:sldMk cId="3313417238" sldId="259"/>
@@ -251,7 +256,7 @@
           </ac:spMkLst>
         </pc:spChg>
         <pc:spChg chg="mod">
-          <ac:chgData name="Derek Vasquez" userId="7096ac8e-e04a-4039-a9a5-f75cfeabab8e" providerId="ADAL" clId="{6905568C-7790-4E19-9348-61B14787DD46}" dt="2024-09-13T20:43:39.639" v="206" actId="1076"/>
+          <ac:chgData name="Derek Vasquez" userId="7096ac8e-e04a-4039-a9a5-f75cfeabab8e" providerId="ADAL" clId="{6905568C-7790-4E19-9348-61B14787DD46}" dt="2024-09-15T02:23:58.067" v="934" actId="2711"/>
           <ac:spMkLst>
             <pc:docMk/>
             <pc:sldMk cId="3313417238" sldId="259"/>
@@ -267,7 +272,7 @@
           </ac:spMkLst>
         </pc:spChg>
         <pc:picChg chg="add mod ord">
-          <ac:chgData name="Derek Vasquez" userId="7096ac8e-e04a-4039-a9a5-f75cfeabab8e" providerId="ADAL" clId="{6905568C-7790-4E19-9348-61B14787DD46}" dt="2024-09-13T20:38:41.839" v="51" actId="167"/>
+          <ac:chgData name="Derek Vasquez" userId="7096ac8e-e04a-4039-a9a5-f75cfeabab8e" providerId="ADAL" clId="{6905568C-7790-4E19-9348-61B14787DD46}" dt="2024-09-15T02:22:52.519" v="932" actId="1076"/>
           <ac:picMkLst>
             <pc:docMk/>
             <pc:sldMk cId="3313417238" sldId="259"/>
@@ -299,7 +304,7 @@
           </ac:cxnSpMkLst>
         </pc:cxnChg>
         <pc:cxnChg chg="mod">
-          <ac:chgData name="Derek Vasquez" userId="7096ac8e-e04a-4039-a9a5-f75cfeabab8e" providerId="ADAL" clId="{6905568C-7790-4E19-9348-61B14787DD46}" dt="2024-09-13T20:42:02.849" v="127" actId="14100"/>
+          <ac:chgData name="Derek Vasquez" userId="7096ac8e-e04a-4039-a9a5-f75cfeabab8e" providerId="ADAL" clId="{6905568C-7790-4E19-9348-61B14787DD46}" dt="2024-09-15T02:23:58.067" v="934" actId="2711"/>
           <ac:cxnSpMkLst>
             <pc:docMk/>
             <pc:sldMk cId="3313417238" sldId="259"/>
@@ -307,7 +312,7 @@
           </ac:cxnSpMkLst>
         </pc:cxnChg>
         <pc:cxnChg chg="mod">
-          <ac:chgData name="Derek Vasquez" userId="7096ac8e-e04a-4039-a9a5-f75cfeabab8e" providerId="ADAL" clId="{6905568C-7790-4E19-9348-61B14787DD46}" dt="2024-09-13T20:43:00.640" v="169" actId="14100"/>
+          <ac:chgData name="Derek Vasquez" userId="7096ac8e-e04a-4039-a9a5-f75cfeabab8e" providerId="ADAL" clId="{6905568C-7790-4E19-9348-61B14787DD46}" dt="2024-09-15T02:23:58.067" v="934" actId="2711"/>
           <ac:cxnSpMkLst>
             <pc:docMk/>
             <pc:sldMk cId="3313417238" sldId="259"/>
@@ -332,7 +337,7 @@
         </pc:cxnChg>
       </pc:sldChg>
       <pc:sldChg chg="addSp delSp modSp new mod">
-        <pc:chgData name="Derek Vasquez" userId="7096ac8e-e04a-4039-a9a5-f75cfeabab8e" providerId="ADAL" clId="{6905568C-7790-4E19-9348-61B14787DD46}" dt="2024-09-14T16:47:43.642" v="930" actId="554"/>
+        <pc:chgData name="Derek Vasquez" userId="7096ac8e-e04a-4039-a9a5-f75cfeabab8e" providerId="ADAL" clId="{6905568C-7790-4E19-9348-61B14787DD46}" dt="2024-09-15T02:29:05.094" v="935" actId="2711"/>
         <pc:sldMkLst>
           <pc:docMk/>
           <pc:sldMk cId="2598673545" sldId="260"/>
@@ -354,7 +359,7 @@
           </ac:spMkLst>
         </pc:spChg>
         <pc:spChg chg="add mod">
-          <ac:chgData name="Derek Vasquez" userId="7096ac8e-e04a-4039-a9a5-f75cfeabab8e" providerId="ADAL" clId="{6905568C-7790-4E19-9348-61B14787DD46}" dt="2024-09-14T16:47:36.590" v="929" actId="1035"/>
+          <ac:chgData name="Derek Vasquez" userId="7096ac8e-e04a-4039-a9a5-f75cfeabab8e" providerId="ADAL" clId="{6905568C-7790-4E19-9348-61B14787DD46}" dt="2024-09-15T02:29:05.094" v="935" actId="2711"/>
           <ac:spMkLst>
             <pc:docMk/>
             <pc:sldMk cId="2598673545" sldId="260"/>
@@ -362,7 +367,7 @@
           </ac:spMkLst>
         </pc:spChg>
         <pc:spChg chg="add mod">
-          <ac:chgData name="Derek Vasquez" userId="7096ac8e-e04a-4039-a9a5-f75cfeabab8e" providerId="ADAL" clId="{6905568C-7790-4E19-9348-61B14787DD46}" dt="2024-09-14T16:47:43.642" v="930" actId="554"/>
+          <ac:chgData name="Derek Vasquez" userId="7096ac8e-e04a-4039-a9a5-f75cfeabab8e" providerId="ADAL" clId="{6905568C-7790-4E19-9348-61B14787DD46}" dt="2024-09-15T02:29:05.094" v="935" actId="2711"/>
           <ac:spMkLst>
             <pc:docMk/>
             <pc:sldMk cId="2598673545" sldId="260"/>
@@ -370,7 +375,7 @@
           </ac:spMkLst>
         </pc:spChg>
         <pc:spChg chg="add mod">
-          <ac:chgData name="Derek Vasquez" userId="7096ac8e-e04a-4039-a9a5-f75cfeabab8e" providerId="ADAL" clId="{6905568C-7790-4E19-9348-61B14787DD46}" dt="2024-09-14T16:47:43.642" v="930" actId="554"/>
+          <ac:chgData name="Derek Vasquez" userId="7096ac8e-e04a-4039-a9a5-f75cfeabab8e" providerId="ADAL" clId="{6905568C-7790-4E19-9348-61B14787DD46}" dt="2024-09-15T02:29:05.094" v="935" actId="2711"/>
           <ac:spMkLst>
             <pc:docMk/>
             <pc:sldMk cId="2598673545" sldId="260"/>
@@ -378,7 +383,7 @@
           </ac:spMkLst>
         </pc:spChg>
         <pc:spChg chg="add mod">
-          <ac:chgData name="Derek Vasquez" userId="7096ac8e-e04a-4039-a9a5-f75cfeabab8e" providerId="ADAL" clId="{6905568C-7790-4E19-9348-61B14787DD46}" dt="2024-09-14T16:41:21.156" v="438" actId="1037"/>
+          <ac:chgData name="Derek Vasquez" userId="7096ac8e-e04a-4039-a9a5-f75cfeabab8e" providerId="ADAL" clId="{6905568C-7790-4E19-9348-61B14787DD46}" dt="2024-09-15T02:29:05.094" v="935" actId="2711"/>
           <ac:spMkLst>
             <pc:docMk/>
             <pc:sldMk cId="2598673545" sldId="260"/>
@@ -386,7 +391,7 @@
           </ac:spMkLst>
         </pc:spChg>
         <pc:spChg chg="add mod">
-          <ac:chgData name="Derek Vasquez" userId="7096ac8e-e04a-4039-a9a5-f75cfeabab8e" providerId="ADAL" clId="{6905568C-7790-4E19-9348-61B14787DD46}" dt="2024-09-14T16:42:04.605" v="509" actId="1038"/>
+          <ac:chgData name="Derek Vasquez" userId="7096ac8e-e04a-4039-a9a5-f75cfeabab8e" providerId="ADAL" clId="{6905568C-7790-4E19-9348-61B14787DD46}" dt="2024-09-15T02:29:05.094" v="935" actId="2711"/>
           <ac:spMkLst>
             <pc:docMk/>
             <pc:sldMk cId="2598673545" sldId="260"/>
@@ -394,7 +399,7 @@
           </ac:spMkLst>
         </pc:spChg>
         <pc:spChg chg="add mod">
-          <ac:chgData name="Derek Vasquez" userId="7096ac8e-e04a-4039-a9a5-f75cfeabab8e" providerId="ADAL" clId="{6905568C-7790-4E19-9348-61B14787DD46}" dt="2024-09-14T16:40:59.524" v="404" actId="20577"/>
+          <ac:chgData name="Derek Vasquez" userId="7096ac8e-e04a-4039-a9a5-f75cfeabab8e" providerId="ADAL" clId="{6905568C-7790-4E19-9348-61B14787DD46}" dt="2024-09-15T02:29:05.094" v="935" actId="2711"/>
           <ac:spMkLst>
             <pc:docMk/>
             <pc:sldMk cId="2598673545" sldId="260"/>
@@ -402,7 +407,7 @@
           </ac:spMkLst>
         </pc:spChg>
         <pc:spChg chg="add mod">
-          <ac:chgData name="Derek Vasquez" userId="7096ac8e-e04a-4039-a9a5-f75cfeabab8e" providerId="ADAL" clId="{6905568C-7790-4E19-9348-61B14787DD46}" dt="2024-09-14T16:41:46.896" v="459" actId="1076"/>
+          <ac:chgData name="Derek Vasquez" userId="7096ac8e-e04a-4039-a9a5-f75cfeabab8e" providerId="ADAL" clId="{6905568C-7790-4E19-9348-61B14787DD46}" dt="2024-09-15T02:29:05.094" v="935" actId="2711"/>
           <ac:spMkLst>
             <pc:docMk/>
             <pc:sldMk cId="2598673545" sldId="260"/>
@@ -410,7 +415,7 @@
           </ac:spMkLst>
         </pc:spChg>
         <pc:spChg chg="add mod">
-          <ac:chgData name="Derek Vasquez" userId="7096ac8e-e04a-4039-a9a5-f75cfeabab8e" providerId="ADAL" clId="{6905568C-7790-4E19-9348-61B14787DD46}" dt="2024-09-14T16:42:04.605" v="509" actId="1038"/>
+          <ac:chgData name="Derek Vasquez" userId="7096ac8e-e04a-4039-a9a5-f75cfeabab8e" providerId="ADAL" clId="{6905568C-7790-4E19-9348-61B14787DD46}" dt="2024-09-15T02:29:05.094" v="935" actId="2711"/>
           <ac:spMkLst>
             <pc:docMk/>
             <pc:sldMk cId="2598673545" sldId="260"/>
@@ -418,7 +423,7 @@
           </ac:spMkLst>
         </pc:spChg>
         <pc:spChg chg="add mod">
-          <ac:chgData name="Derek Vasquez" userId="7096ac8e-e04a-4039-a9a5-f75cfeabab8e" providerId="ADAL" clId="{6905568C-7790-4E19-9348-61B14787DD46}" dt="2024-09-14T16:41:57.152" v="461" actId="1076"/>
+          <ac:chgData name="Derek Vasquez" userId="7096ac8e-e04a-4039-a9a5-f75cfeabab8e" providerId="ADAL" clId="{6905568C-7790-4E19-9348-61B14787DD46}" dt="2024-09-15T02:29:05.094" v="935" actId="2711"/>
           <ac:spMkLst>
             <pc:docMk/>
             <pc:sldMk cId="2598673545" sldId="260"/>
@@ -810,7 +815,7 @@
           <a:p>
             <a:fld id="{E97DF8E1-47A0-4F2A-8FB5-E0BD95748E8B}" type="datetimeFigureOut">
               <a:rPr lang="en-US" smtClean="0"/>
-              <a:t>9/13/2024</a:t>
+              <a:t>9/14/2024</a:t>
             </a:fld>
             <a:endParaRPr lang="en-US"/>
           </a:p>
@@ -1008,7 +1013,7 @@
           <a:p>
             <a:fld id="{E97DF8E1-47A0-4F2A-8FB5-E0BD95748E8B}" type="datetimeFigureOut">
               <a:rPr lang="en-US" smtClean="0"/>
-              <a:t>9/13/2024</a:t>
+              <a:t>9/14/2024</a:t>
             </a:fld>
             <a:endParaRPr lang="en-US"/>
           </a:p>
@@ -1216,7 +1221,7 @@
           <a:p>
             <a:fld id="{E97DF8E1-47A0-4F2A-8FB5-E0BD95748E8B}" type="datetimeFigureOut">
               <a:rPr lang="en-US" smtClean="0"/>
-              <a:t>9/13/2024</a:t>
+              <a:t>9/14/2024</a:t>
             </a:fld>
             <a:endParaRPr lang="en-US"/>
           </a:p>
@@ -1414,7 +1419,7 @@
           <a:p>
             <a:fld id="{E97DF8E1-47A0-4F2A-8FB5-E0BD95748E8B}" type="datetimeFigureOut">
               <a:rPr lang="en-US" smtClean="0"/>
-              <a:t>9/13/2024</a:t>
+              <a:t>9/14/2024</a:t>
             </a:fld>
             <a:endParaRPr lang="en-US"/>
           </a:p>
@@ -1689,7 +1694,7 @@
           <a:p>
             <a:fld id="{E97DF8E1-47A0-4F2A-8FB5-E0BD95748E8B}" type="datetimeFigureOut">
               <a:rPr lang="en-US" smtClean="0"/>
-              <a:t>9/13/2024</a:t>
+              <a:t>9/14/2024</a:t>
             </a:fld>
             <a:endParaRPr lang="en-US"/>
           </a:p>
@@ -1954,7 +1959,7 @@
           <a:p>
             <a:fld id="{E97DF8E1-47A0-4F2A-8FB5-E0BD95748E8B}" type="datetimeFigureOut">
               <a:rPr lang="en-US" smtClean="0"/>
-              <a:t>9/13/2024</a:t>
+              <a:t>9/14/2024</a:t>
             </a:fld>
             <a:endParaRPr lang="en-US"/>
           </a:p>
@@ -2366,7 +2371,7 @@
           <a:p>
             <a:fld id="{E97DF8E1-47A0-4F2A-8FB5-E0BD95748E8B}" type="datetimeFigureOut">
               <a:rPr lang="en-US" smtClean="0"/>
-              <a:t>9/13/2024</a:t>
+              <a:t>9/14/2024</a:t>
             </a:fld>
             <a:endParaRPr lang="en-US"/>
           </a:p>
@@ -2507,7 +2512,7 @@
           <a:p>
             <a:fld id="{E97DF8E1-47A0-4F2A-8FB5-E0BD95748E8B}" type="datetimeFigureOut">
               <a:rPr lang="en-US" smtClean="0"/>
-              <a:t>9/13/2024</a:t>
+              <a:t>9/14/2024</a:t>
             </a:fld>
             <a:endParaRPr lang="en-US"/>
           </a:p>
@@ -2620,7 +2625,7 @@
           <a:p>
             <a:fld id="{E97DF8E1-47A0-4F2A-8FB5-E0BD95748E8B}" type="datetimeFigureOut">
               <a:rPr lang="en-US" smtClean="0"/>
-              <a:t>9/13/2024</a:t>
+              <a:t>9/14/2024</a:t>
             </a:fld>
             <a:endParaRPr lang="en-US"/>
           </a:p>
@@ -2931,7 +2936,7 @@
           <a:p>
             <a:fld id="{E97DF8E1-47A0-4F2A-8FB5-E0BD95748E8B}" type="datetimeFigureOut">
               <a:rPr lang="en-US" smtClean="0"/>
-              <a:t>9/13/2024</a:t>
+              <a:t>9/14/2024</a:t>
             </a:fld>
             <a:endParaRPr lang="en-US"/>
           </a:p>
@@ -3219,7 +3224,7 @@
           <a:p>
             <a:fld id="{E97DF8E1-47A0-4F2A-8FB5-E0BD95748E8B}" type="datetimeFigureOut">
               <a:rPr lang="en-US" smtClean="0"/>
-              <a:t>9/13/2024</a:t>
+              <a:t>9/14/2024</a:t>
             </a:fld>
             <a:endParaRPr lang="en-US"/>
           </a:p>
@@ -3460,7 +3465,7 @@
           <a:p>
             <a:fld id="{E97DF8E1-47A0-4F2A-8FB5-E0BD95748E8B}" type="datetimeFigureOut">
               <a:rPr lang="en-US" smtClean="0"/>
-              <a:t>9/13/2024</a:t>
+              <a:t>9/14/2024</a:t>
             </a:fld>
             <a:endParaRPr lang="en-US"/>
           </a:p>
@@ -3879,7 +3884,7 @@
       </p:grpSpPr>
       <p:pic>
         <p:nvPicPr>
-          <p:cNvPr id="3" name="Picture 2" descr="A diagram of a circle with a blue and green line&#10;&#10;Description automatically generated">
+          <p:cNvPr id="3" name="Picture 2">
             <a:extLst>
               <a:ext uri="{FF2B5EF4-FFF2-40B4-BE49-F238E27FC236}">
                 <a16:creationId xmlns:a16="http://schemas.microsoft.com/office/drawing/2014/main" id="{F009AC87-F749-88A2-9671-78074C4FA407}"/>
@@ -3899,13 +3904,12 @@
               </a:ext>
             </a:extLst>
           </a:blip>
-          <a:stretch>
-            <a:fillRect/>
-          </a:stretch>
+          <a:srcRect/>
+          <a:stretch/>
         </p:blipFill>
         <p:spPr>
           <a:xfrm>
-            <a:off x="2096000" y="429000"/>
+            <a:off x="1953437" y="662702"/>
             <a:ext cx="8000000" cy="6000000"/>
           </a:xfrm>
           <a:prstGeom prst="rect">
@@ -3928,7 +3932,7 @@
         <p:spPr>
           <a:xfrm>
             <a:off x="7166699" y="2756469"/>
-            <a:ext cx="2033955" cy="369332"/>
+            <a:ext cx="1877437" cy="369332"/>
           </a:xfrm>
           <a:prstGeom prst="rect">
             <a:avLst/>
@@ -3943,8 +3947,8 @@
           <a:p>
             <a:r>
               <a:rPr lang="en-US" dirty="0">
-                <a:latin typeface="Segoe UI" panose="020B0502040204020203" pitchFamily="34" charset="0"/>
-                <a:cs typeface="Segoe UI" panose="020B0502040204020203" pitchFamily="34" charset="0"/>
+                <a:latin typeface="Times New Roman" panose="02020603050405020304" pitchFamily="18" charset="0"/>
+                <a:cs typeface="Times New Roman" panose="02020603050405020304" pitchFamily="18" charset="0"/>
               </a:rPr>
               <a:t>b) Jump trajectory</a:t>
             </a:r>
@@ -3981,8 +3985,8 @@
           <a:p>
             <a:r>
               <a:rPr lang="en-US" dirty="0">
-                <a:latin typeface="Segoe UI" panose="020B0502040204020203" pitchFamily="34" charset="0"/>
-                <a:cs typeface="Segoe UI" panose="020B0502040204020203" pitchFamily="34" charset="0"/>
+                <a:latin typeface="Times New Roman" panose="02020603050405020304" pitchFamily="18" charset="0"/>
+                <a:cs typeface="Times New Roman" panose="02020603050405020304" pitchFamily="18" charset="0"/>
               </a:rPr>
               <a:t>c) Swimming </a:t>
             </a:r>
@@ -3990,8 +3994,8 @@
           <a:p>
             <a:r>
               <a:rPr lang="en-US" dirty="0">
-                <a:latin typeface="Segoe UI" panose="020B0502040204020203" pitchFamily="34" charset="0"/>
-                <a:cs typeface="Segoe UI" panose="020B0502040204020203" pitchFamily="34" charset="0"/>
+                <a:latin typeface="Times New Roman" panose="02020603050405020304" pitchFamily="18" charset="0"/>
+                <a:cs typeface="Times New Roman" panose="02020603050405020304" pitchFamily="18" charset="0"/>
               </a:rPr>
               <a:t>Trajectory</a:t>
             </a:r>
@@ -4013,7 +4017,7 @@
         <p:spPr>
           <a:xfrm>
             <a:off x="9389770" y="3933136"/>
-            <a:ext cx="2286652" cy="369332"/>
+            <a:ext cx="2136932" cy="369332"/>
           </a:xfrm>
           <a:prstGeom prst="rect">
             <a:avLst/>
@@ -4028,8 +4032,8 @@
           <a:p>
             <a:r>
               <a:rPr lang="en-US" dirty="0">
-                <a:latin typeface="Segoe UI" panose="020B0502040204020203" pitchFamily="34" charset="0"/>
-                <a:cs typeface="Segoe UI" panose="020B0502040204020203" pitchFamily="34" charset="0"/>
+                <a:latin typeface="Times New Roman" panose="02020603050405020304" pitchFamily="18" charset="0"/>
+                <a:cs typeface="Times New Roman" panose="02020603050405020304" pitchFamily="18" charset="0"/>
               </a:rPr>
               <a:t>a) Walking trajectory</a:t>
             </a:r>
@@ -4066,8 +4070,8 @@
           <a:p>
             <a:r>
               <a:rPr lang="en-US" sz="1400" dirty="0">
-                <a:latin typeface="Segoe UI" panose="020B0502040204020203" pitchFamily="34" charset="0"/>
-                <a:cs typeface="Segoe UI" panose="020B0502040204020203" pitchFamily="34" charset="0"/>
+                <a:latin typeface="Times New Roman" panose="02020603050405020304" pitchFamily="18" charset="0"/>
+                <a:cs typeface="Times New Roman" panose="02020603050405020304" pitchFamily="18" charset="0"/>
               </a:rPr>
               <a:t>Large amplitude generates forward thrust</a:t>
             </a:r>
@@ -4104,8 +4108,8 @@
           <a:p>
             <a:r>
               <a:rPr lang="en-US" sz="1400" dirty="0">
-                <a:latin typeface="Segoe UI" panose="020B0502040204020203" pitchFamily="34" charset="0"/>
-                <a:cs typeface="Segoe UI" panose="020B0502040204020203" pitchFamily="34" charset="0"/>
+                <a:latin typeface="Times New Roman" panose="02020603050405020304" pitchFamily="18" charset="0"/>
+                <a:cs typeface="Times New Roman" panose="02020603050405020304" pitchFamily="18" charset="0"/>
               </a:rPr>
               <a:t>Centered under hip for stability</a:t>
             </a:r>
@@ -4175,7 +4179,7 @@
         <p:spPr>
           <a:xfrm flipH="1">
             <a:off x="7487018" y="3125801"/>
-            <a:ext cx="696659" cy="369332"/>
+            <a:ext cx="618400" cy="369332"/>
           </a:xfrm>
           <a:prstGeom prst="straightConnector1">
             <a:avLst/>
@@ -4418,8 +4422,8 @@
           <a:p>
             <a:r>
               <a:rPr lang="en-US" sz="1400" dirty="0">
-                <a:latin typeface="Segoe UI" panose="020B0502040204020203" pitchFamily="34" charset="0"/>
-                <a:cs typeface="Segoe UI" panose="020B0502040204020203" pitchFamily="34" charset="0"/>
+                <a:latin typeface="Times New Roman" panose="02020603050405020304" pitchFamily="18" charset="0"/>
+                <a:cs typeface="Times New Roman" panose="02020603050405020304" pitchFamily="18" charset="0"/>
               </a:rPr>
               <a:t>Joint at origin</a:t>
             </a:r>
@@ -4544,8 +4548,8 @@
           <a:p>
             <a:r>
               <a:rPr lang="en-US" sz="1400" dirty="0">
-                <a:latin typeface="Segoe UI" panose="020B0502040204020203" pitchFamily="34" charset="0"/>
-                <a:cs typeface="Segoe UI" panose="020B0502040204020203" pitchFamily="34" charset="0"/>
+                <a:latin typeface="Times New Roman" panose="02020603050405020304" pitchFamily="18" charset="0"/>
+                <a:cs typeface="Times New Roman" panose="02020603050405020304" pitchFamily="18" charset="0"/>
               </a:rPr>
               <a:t>Direction of travel</a:t>
             </a:r>
@@ -4582,8 +4586,8 @@
           <a:p>
             <a:r>
               <a:rPr lang="en-US" dirty="0">
-                <a:latin typeface="Segoe UI" panose="020B0502040204020203" pitchFamily="34" charset="0"/>
-                <a:cs typeface="Segoe UI" panose="020B0502040204020203" pitchFamily="34" charset="0"/>
+                <a:latin typeface="Times New Roman" panose="02020603050405020304" pitchFamily="18" charset="0"/>
+                <a:cs typeface="Times New Roman" panose="02020603050405020304" pitchFamily="18" charset="0"/>
               </a:rPr>
               <a:t>Robot Body</a:t>
             </a:r>
@@ -4633,44 +4637,6 @@
           <a:p>
             <a:pPr algn="ctr"/>
             <a:endParaRPr lang="en-US"/>
-          </a:p>
-        </p:txBody>
-      </p:sp>
-      <p:sp>
-        <p:nvSpPr>
-          <p:cNvPr id="15" name="TextBox 14">
-            <a:extLst>
-              <a:ext uri="{FF2B5EF4-FFF2-40B4-BE49-F238E27FC236}">
-                <a16:creationId xmlns:a16="http://schemas.microsoft.com/office/drawing/2014/main" id="{AD2AE182-53BE-3357-3FFE-0858B48859A1}"/>
-              </a:ext>
-            </a:extLst>
-          </p:cNvPr>
-          <p:cNvSpPr txBox="1"/>
-          <p:nvPr/>
-        </p:nvSpPr>
-        <p:spPr>
-          <a:xfrm>
-            <a:off x="8164532" y="2979863"/>
-            <a:ext cx="1156041" cy="954107"/>
-          </a:xfrm>
-          <a:prstGeom prst="rect">
-            <a:avLst/>
-          </a:prstGeom>
-          <a:noFill/>
-        </p:spPr>
-        <p:txBody>
-          <a:bodyPr wrap="square" rtlCol="0">
-            <a:spAutoFit/>
-          </a:bodyPr>
-          <a:lstStyle/>
-          <a:p>
-            <a:r>
-              <a:rPr lang="en-US" sz="1400" dirty="0">
-                <a:latin typeface="Segoe UI" panose="020B0502040204020203" pitchFamily="34" charset="0"/>
-                <a:cs typeface="Segoe UI" panose="020B0502040204020203" pitchFamily="34" charset="0"/>
-              </a:rPr>
-              <a:t>Angled slightly for forward motion</a:t>
-            </a:r>
           </a:p>
         </p:txBody>
       </p:sp>
@@ -4883,7 +4849,7 @@
         <p:spPr>
           <a:xfrm>
             <a:off x="1465384" y="1912368"/>
-            <a:ext cx="978153" cy="523220"/>
+            <a:ext cx="993605" cy="523220"/>
           </a:xfrm>
           <a:prstGeom prst="rect">
             <a:avLst/>
@@ -4898,8 +4864,8 @@
           <a:p>
             <a:r>
               <a:rPr lang="en-US" sz="2800" dirty="0">
-                <a:latin typeface="Segoe UI" panose="020B0502040204020203" pitchFamily="34" charset="0"/>
-                <a:cs typeface="Segoe UI" panose="020B0502040204020203" pitchFamily="34" charset="0"/>
+                <a:latin typeface="Times New Roman" panose="02020603050405020304" pitchFamily="18" charset="0"/>
+                <a:cs typeface="Times New Roman" panose="02020603050405020304" pitchFamily="18" charset="0"/>
               </a:rPr>
               <a:t>Fin A</a:t>
             </a:r>
@@ -4921,7 +4887,7 @@
         <p:spPr>
           <a:xfrm>
             <a:off x="3795305" y="1001551"/>
-            <a:ext cx="952505" cy="523220"/>
+            <a:ext cx="992579" cy="523220"/>
           </a:xfrm>
           <a:prstGeom prst="rect">
             <a:avLst/>
@@ -4936,8 +4902,8 @@
           <a:p>
             <a:r>
               <a:rPr lang="en-US" sz="2800" dirty="0">
-                <a:latin typeface="Segoe UI" panose="020B0502040204020203" pitchFamily="34" charset="0"/>
-                <a:cs typeface="Segoe UI" panose="020B0502040204020203" pitchFamily="34" charset="0"/>
+                <a:latin typeface="Times New Roman" panose="02020603050405020304" pitchFamily="18" charset="0"/>
+                <a:cs typeface="Times New Roman" panose="02020603050405020304" pitchFamily="18" charset="0"/>
               </a:rPr>
               <a:t>Fin B</a:t>
             </a:r>
@@ -4959,7 +4925,7 @@
         <p:spPr>
           <a:xfrm>
             <a:off x="6809074" y="1001551"/>
-            <a:ext cx="970137" cy="523220"/>
+            <a:ext cx="992579" cy="523220"/>
           </a:xfrm>
           <a:prstGeom prst="rect">
             <a:avLst/>
@@ -4974,8 +4940,8 @@
           <a:p>
             <a:r>
               <a:rPr lang="en-US" sz="2800" dirty="0">
-                <a:latin typeface="Segoe UI" panose="020B0502040204020203" pitchFamily="34" charset="0"/>
-                <a:cs typeface="Segoe UI" panose="020B0502040204020203" pitchFamily="34" charset="0"/>
+                <a:latin typeface="Times New Roman" panose="02020603050405020304" pitchFamily="18" charset="0"/>
+                <a:cs typeface="Times New Roman" panose="02020603050405020304" pitchFamily="18" charset="0"/>
               </a:rPr>
               <a:t>Fin C</a:t>
             </a:r>
@@ -4997,7 +4963,7 @@
         <p:spPr>
           <a:xfrm>
             <a:off x="1843342" y="5705609"/>
-            <a:ext cx="853119" cy="369332"/>
+            <a:ext cx="813043" cy="369332"/>
           </a:xfrm>
           <a:prstGeom prst="rect">
             <a:avLst/>
@@ -5012,8 +4978,8 @@
           <a:p>
             <a:r>
               <a:rPr lang="en-US" dirty="0">
-                <a:latin typeface="Segoe UI" panose="020B0502040204020203" pitchFamily="34" charset="0"/>
-                <a:cs typeface="Segoe UI" panose="020B0502040204020203" pitchFamily="34" charset="0"/>
+                <a:latin typeface="Times New Roman" panose="02020603050405020304" pitchFamily="18" charset="0"/>
+                <a:cs typeface="Times New Roman" panose="02020603050405020304" pitchFamily="18" charset="0"/>
               </a:rPr>
               <a:t>3.9 cm</a:t>
             </a:r>
@@ -5035,7 +5001,7 @@
         <p:spPr>
           <a:xfrm>
             <a:off x="4426728" y="5649768"/>
-            <a:ext cx="853119" cy="369332"/>
+            <a:ext cx="813043" cy="369332"/>
           </a:xfrm>
           <a:prstGeom prst="rect">
             <a:avLst/>
@@ -5050,8 +5016,8 @@
           <a:p>
             <a:r>
               <a:rPr lang="en-US" dirty="0">
-                <a:latin typeface="Segoe UI" panose="020B0502040204020203" pitchFamily="34" charset="0"/>
-                <a:cs typeface="Segoe UI" panose="020B0502040204020203" pitchFamily="34" charset="0"/>
+                <a:latin typeface="Times New Roman" panose="02020603050405020304" pitchFamily="18" charset="0"/>
+                <a:cs typeface="Times New Roman" panose="02020603050405020304" pitchFamily="18" charset="0"/>
               </a:rPr>
               <a:t>4.9 cm</a:t>
             </a:r>
@@ -5073,7 +5039,7 @@
         <p:spPr>
           <a:xfrm>
             <a:off x="7631104" y="5644996"/>
-            <a:ext cx="853119" cy="369332"/>
+            <a:ext cx="813043" cy="369332"/>
           </a:xfrm>
           <a:prstGeom prst="rect">
             <a:avLst/>
@@ -5088,8 +5054,8 @@
           <a:p>
             <a:r>
               <a:rPr lang="en-US" dirty="0">
-                <a:latin typeface="Segoe UI" panose="020B0502040204020203" pitchFamily="34" charset="0"/>
-                <a:cs typeface="Segoe UI" panose="020B0502040204020203" pitchFamily="34" charset="0"/>
+                <a:latin typeface="Times New Roman" panose="02020603050405020304" pitchFamily="18" charset="0"/>
+                <a:cs typeface="Times New Roman" panose="02020603050405020304" pitchFamily="18" charset="0"/>
               </a:rPr>
               <a:t>6.5 cm</a:t>
             </a:r>
@@ -5111,7 +5077,7 @@
         <p:spPr>
           <a:xfrm>
             <a:off x="694193" y="4176869"/>
-            <a:ext cx="853119" cy="369332"/>
+            <a:ext cx="813043" cy="369332"/>
           </a:xfrm>
           <a:prstGeom prst="rect">
             <a:avLst/>
@@ -5126,8 +5092,8 @@
           <a:p>
             <a:r>
               <a:rPr lang="en-US" dirty="0">
-                <a:latin typeface="Segoe UI" panose="020B0502040204020203" pitchFamily="34" charset="0"/>
-                <a:cs typeface="Segoe UI" panose="020B0502040204020203" pitchFamily="34" charset="0"/>
+                <a:latin typeface="Times New Roman" panose="02020603050405020304" pitchFamily="18" charset="0"/>
+                <a:cs typeface="Times New Roman" panose="02020603050405020304" pitchFamily="18" charset="0"/>
               </a:rPr>
               <a:t>6.8 cm</a:t>
             </a:r>
@@ -5149,7 +5115,7 @@
         <p:spPr>
           <a:xfrm>
             <a:off x="3065004" y="4176869"/>
-            <a:ext cx="853119" cy="369332"/>
+            <a:ext cx="813043" cy="369332"/>
           </a:xfrm>
           <a:prstGeom prst="rect">
             <a:avLst/>
@@ -5164,8 +5130,8 @@
           <a:p>
             <a:r>
               <a:rPr lang="en-US" dirty="0">
-                <a:latin typeface="Segoe UI" panose="020B0502040204020203" pitchFamily="34" charset="0"/>
-                <a:cs typeface="Segoe UI" panose="020B0502040204020203" pitchFamily="34" charset="0"/>
+                <a:latin typeface="Times New Roman" panose="02020603050405020304" pitchFamily="18" charset="0"/>
+                <a:cs typeface="Times New Roman" panose="02020603050405020304" pitchFamily="18" charset="0"/>
               </a:rPr>
               <a:t>8.9 cm</a:t>
             </a:r>
@@ -5187,7 +5153,7 @@
         <p:spPr>
           <a:xfrm>
             <a:off x="5955955" y="4176869"/>
-            <a:ext cx="853119" cy="369332"/>
+            <a:ext cx="813043" cy="369332"/>
           </a:xfrm>
           <a:prstGeom prst="rect">
             <a:avLst/>
@@ -5202,8 +5168,8 @@
           <a:p>
             <a:r>
               <a:rPr lang="en-US" dirty="0">
-                <a:latin typeface="Segoe UI" panose="020B0502040204020203" pitchFamily="34" charset="0"/>
-                <a:cs typeface="Segoe UI" panose="020B0502040204020203" pitchFamily="34" charset="0"/>
+                <a:latin typeface="Times New Roman" panose="02020603050405020304" pitchFamily="18" charset="0"/>
+                <a:cs typeface="Times New Roman" panose="02020603050405020304" pitchFamily="18" charset="0"/>
               </a:rPr>
               <a:t>8.9 cm</a:t>
             </a:r>
